--- a/Valentin/merged.pptx
+++ b/Valentin/merged.pptx
@@ -5,7 +5,7 @@
     <p:sldMasterId id="2147483660" r:id="rId1"/>
   </p:sldMasterIdLst>
   <p:notesMasterIdLst>
-    <p:notesMasterId r:id="rId10"/>
+    <p:notesMasterId r:id="rId16"/>
   </p:notesMasterIdLst>
   <p:sldIdLst>
     <p:sldId id="257" r:id="rId2"/>
@@ -15,7 +15,13 @@
     <p:sldId id="282" r:id="rId6"/>
     <p:sldId id="283" r:id="rId7"/>
     <p:sldId id="285" r:id="rId8"/>
-    <p:sldId id="286" r:id="rId9"/>
+    <p:sldId id="288" r:id="rId9"/>
+    <p:sldId id="289" r:id="rId10"/>
+    <p:sldId id="291" r:id="rId11"/>
+    <p:sldId id="290" r:id="rId12"/>
+    <p:sldId id="293" r:id="rId13"/>
+    <p:sldId id="292" r:id="rId14"/>
+    <p:sldId id="287" r:id="rId15"/>
   </p:sldIdLst>
   <p:sldSz cx="12192000" cy="6858000"/>
   <p:notesSz cx="6858000" cy="9144000"/>
@@ -122,6 +128,14 @@
 </p:presentation>
 </file>
 
+<file path=ppt/revisionInfo.xml><?xml version="1.0" encoding="utf-8"?>
+<p1510:revInfo xmlns:a="http://schemas.openxmlformats.org/drawingml/2006/main" xmlns:r="http://schemas.openxmlformats.org/officeDocument/2006/relationships" xmlns:p1510="http://schemas.microsoft.com/office/powerpoint/2015/10/main">
+  <p1510:revLst>
+    <p1510:client id="{D03DAE93-70A3-4F9D-A17E-4D9CEEEAC7A4}" v="1879" dt="2020-01-05T16:46:59.618"/>
+  </p1510:revLst>
+</p1510:revInfo>
+</file>
+
 <file path=ppt/notesMasters/notesMaster1.xml><?xml version="1.0" encoding="utf-8"?>
 <p:notesMaster xmlns:a="http://schemas.openxmlformats.org/drawingml/2006/main" xmlns:r="http://schemas.openxmlformats.org/officeDocument/2006/relationships" xmlns:p="http://schemas.openxmlformats.org/presentationml/2006/main">
   <p:cSld>
@@ -204,7 +218,7 @@
           <a:p>
             <a:fld id="{45BAF5FC-A74A-4194-B400-41A03DD9C024}" type="datetimeFigureOut">
               <a:rPr lang="de-DE" smtClean="0"/>
-              <a:t>04.01.2020</a:t>
+              <a:t>05.01.2020</a:t>
             </a:fld>
             <a:endParaRPr lang="de-DE"/>
           </a:p>
@@ -363,7 +377,7 @@
           <a:p>
             <a:fld id="{B1B0B506-360A-4BC7-A86C-8256EFE9AF9B}" type="slidenum">
               <a:rPr lang="de-DE" smtClean="0"/>
-              <a:t>‹#›</a:t>
+              <a:t>‹Nr.›</a:t>
             </a:fld>
             <a:endParaRPr lang="de-DE"/>
           </a:p>
@@ -621,7 +635,7 @@
           <a:p>
             <a:fld id="{45D0F98D-38D5-4C1A-A003-148E75DBF760}" type="datetime1">
               <a:rPr lang="de-DE" smtClean="0"/>
-              <a:t>04.01.2020</a:t>
+              <a:t>05.01.2020</a:t>
             </a:fld>
             <a:endParaRPr lang="de-DE"/>
           </a:p>
@@ -712,7 +726,7 @@
           <a:p>
             <a:fld id="{969E759D-A893-4B96-8B48-96EE547EBC41}" type="slidenum">
               <a:rPr lang="de-DE" smtClean="0"/>
-              <a:t>‹#›</a:t>
+              <a:t>‹Nr.›</a:t>
             </a:fld>
             <a:endParaRPr lang="de-DE"/>
           </a:p>
@@ -858,7 +872,7 @@
           <a:p>
             <a:fld id="{35EE94FD-1B66-443A-A78C-7063FFFB3DB5}" type="datetime1">
               <a:rPr lang="de-DE" smtClean="0"/>
-              <a:t>04.01.2020</a:t>
+              <a:t>05.01.2020</a:t>
             </a:fld>
             <a:endParaRPr lang="de-DE"/>
           </a:p>
@@ -926,7 +940,7 @@
           <a:p>
             <a:fld id="{969E759D-A893-4B96-8B48-96EE547EBC41}" type="slidenum">
               <a:rPr lang="de-DE" smtClean="0"/>
-              <a:t>‹#›</a:t>
+              <a:t>‹Nr.›</a:t>
             </a:fld>
             <a:endParaRPr lang="de-DE"/>
           </a:p>
@@ -1082,7 +1096,7 @@
           <a:p>
             <a:fld id="{846435C6-9F94-4AA4-B35A-39DE494D17EA}" type="datetime1">
               <a:rPr lang="de-DE" smtClean="0"/>
-              <a:t>04.01.2020</a:t>
+              <a:t>05.01.2020</a:t>
             </a:fld>
             <a:endParaRPr lang="de-DE"/>
           </a:p>
@@ -1150,7 +1164,7 @@
           <a:p>
             <a:fld id="{969E759D-A893-4B96-8B48-96EE547EBC41}" type="slidenum">
               <a:rPr lang="de-DE" smtClean="0"/>
-              <a:t>‹#›</a:t>
+              <a:t>‹Nr.›</a:t>
             </a:fld>
             <a:endParaRPr lang="de-DE"/>
           </a:p>
@@ -1296,7 +1310,7 @@
           <a:p>
             <a:fld id="{7BA378BF-52EB-4C5B-B6BB-996DFE0988BD}" type="datetime1">
               <a:rPr lang="de-DE" smtClean="0"/>
-              <a:t>04.01.2020</a:t>
+              <a:t>05.01.2020</a:t>
             </a:fld>
             <a:endParaRPr lang="de-DE"/>
           </a:p>
@@ -1382,7 +1396,7 @@
           <a:p>
             <a:fld id="{969E759D-A893-4B96-8B48-96EE547EBC41}" type="slidenum">
               <a:rPr lang="de-DE" smtClean="0"/>
-              <a:t>‹#›</a:t>
+              <a:t>‹Nr.›</a:t>
             </a:fld>
             <a:endParaRPr lang="de-DE"/>
           </a:p>
@@ -1604,7 +1618,7 @@
           <a:p>
             <a:fld id="{546325AB-2200-4FF3-AF2A-B172FFDDBDF4}" type="datetime1">
               <a:rPr lang="de-DE" smtClean="0"/>
-              <a:t>04.01.2020</a:t>
+              <a:t>05.01.2020</a:t>
             </a:fld>
             <a:endParaRPr lang="de-DE"/>
           </a:p>
@@ -1672,7 +1686,7 @@
           <a:p>
             <a:fld id="{969E759D-A893-4B96-8B48-96EE547EBC41}" type="slidenum">
               <a:rPr lang="de-DE" smtClean="0"/>
-              <a:t>‹#›</a:t>
+              <a:t>‹Nr.›</a:t>
             </a:fld>
             <a:endParaRPr lang="de-DE"/>
           </a:p>
@@ -1886,7 +1900,7 @@
           <a:p>
             <a:fld id="{4BD4E413-4B36-416A-99F8-917101FD3552}" type="datetime1">
               <a:rPr lang="de-DE" smtClean="0"/>
-              <a:t>04.01.2020</a:t>
+              <a:t>05.01.2020</a:t>
             </a:fld>
             <a:endParaRPr lang="de-DE"/>
           </a:p>
@@ -1954,7 +1968,7 @@
           <a:p>
             <a:fld id="{969E759D-A893-4B96-8B48-96EE547EBC41}" type="slidenum">
               <a:rPr lang="de-DE" smtClean="0"/>
-              <a:t>‹#›</a:t>
+              <a:t>‹Nr.›</a:t>
             </a:fld>
             <a:endParaRPr lang="de-DE"/>
           </a:p>
@@ -2315,7 +2329,7 @@
           <a:p>
             <a:fld id="{350CD5BB-2135-4C1C-9EB9-6B104A7F1852}" type="datetime1">
               <a:rPr lang="de-DE" smtClean="0"/>
-              <a:t>04.01.2020</a:t>
+              <a:t>05.01.2020</a:t>
             </a:fld>
             <a:endParaRPr lang="de-DE"/>
           </a:p>
@@ -2383,7 +2397,7 @@
           <a:p>
             <a:fld id="{969E759D-A893-4B96-8B48-96EE547EBC41}" type="slidenum">
               <a:rPr lang="de-DE" smtClean="0"/>
-              <a:t>‹#›</a:t>
+              <a:t>‹Nr.›</a:t>
             </a:fld>
             <a:endParaRPr lang="de-DE"/>
           </a:p>
@@ -2471,7 +2485,7 @@
           <a:p>
             <a:fld id="{5F8EFD36-9E63-4951-BEF9-F6B8ACF9848D}" type="datetime1">
               <a:rPr lang="de-DE" smtClean="0"/>
-              <a:t>04.01.2020</a:t>
+              <a:t>05.01.2020</a:t>
             </a:fld>
             <a:endParaRPr lang="de-DE"/>
           </a:p>
@@ -2539,7 +2553,7 @@
           <a:p>
             <a:fld id="{969E759D-A893-4B96-8B48-96EE547EBC41}" type="slidenum">
               <a:rPr lang="de-DE" smtClean="0"/>
-              <a:t>‹#›</a:t>
+              <a:t>‹Nr.›</a:t>
             </a:fld>
             <a:endParaRPr lang="de-DE"/>
           </a:p>
@@ -2598,7 +2612,7 @@
           <a:p>
             <a:fld id="{5809FACB-23B1-4A10-9D0A-328C6885745A}" type="datetime1">
               <a:rPr lang="de-DE" smtClean="0"/>
-              <a:t>04.01.2020</a:t>
+              <a:t>05.01.2020</a:t>
             </a:fld>
             <a:endParaRPr lang="de-DE"/>
           </a:p>
@@ -2666,7 +2680,7 @@
           <a:p>
             <a:fld id="{969E759D-A893-4B96-8B48-96EE547EBC41}" type="slidenum">
               <a:rPr lang="de-DE" smtClean="0"/>
-              <a:t>‹#›</a:t>
+              <a:t>‹Nr.›</a:t>
             </a:fld>
             <a:endParaRPr lang="de-DE"/>
           </a:p>
@@ -2925,7 +2939,7 @@
           <a:p>
             <a:fld id="{D34E0433-A910-4A2C-B27B-93E80F26180A}" type="datetime1">
               <a:rPr lang="de-DE" smtClean="0"/>
-              <a:t>04.01.2020</a:t>
+              <a:t>05.01.2020</a:t>
             </a:fld>
             <a:endParaRPr lang="de-DE"/>
           </a:p>
@@ -2993,7 +3007,7 @@
           <a:p>
             <a:fld id="{969E759D-A893-4B96-8B48-96EE547EBC41}" type="slidenum">
               <a:rPr lang="de-DE" smtClean="0"/>
-              <a:t>‹#›</a:t>
+              <a:t>‹Nr.›</a:t>
             </a:fld>
             <a:endParaRPr lang="de-DE"/>
           </a:p>
@@ -3228,7 +3242,7 @@
           <a:p>
             <a:fld id="{27D0816D-89A7-4D5C-8256-1B20355E25D9}" type="datetime1">
               <a:rPr lang="de-DE" smtClean="0"/>
-              <a:t>04.01.2020</a:t>
+              <a:t>05.01.2020</a:t>
             </a:fld>
             <a:endParaRPr lang="de-DE"/>
           </a:p>
@@ -3285,7 +3299,7 @@
           <a:p>
             <a:fld id="{969E759D-A893-4B96-8B48-96EE547EBC41}" type="slidenum">
               <a:rPr lang="de-DE" smtClean="0"/>
-              <a:t>‹#›</a:t>
+              <a:t>‹Nr.›</a:t>
             </a:fld>
             <a:endParaRPr lang="de-DE"/>
           </a:p>
@@ -3474,7 +3488,7 @@
           <a:p>
             <a:fld id="{96A0F86B-E49E-4FBD-A866-1ABC19B2F8A7}" type="datetime1">
               <a:rPr lang="de-DE" smtClean="0"/>
-              <a:t>04.01.2020</a:t>
+              <a:t>05.01.2020</a:t>
             </a:fld>
             <a:endParaRPr lang="de-DE"/>
           </a:p>
@@ -3593,7 +3607,7 @@
           <a:p>
             <a:fld id="{969E759D-A893-4B96-8B48-96EE547EBC41}" type="slidenum">
               <a:rPr lang="de-DE" smtClean="0"/>
-              <a:t>‹#›</a:t>
+              <a:t>‹Nr.›</a:t>
             </a:fld>
             <a:endParaRPr lang="de-DE"/>
           </a:p>
@@ -4306,6 +4320,1098 @@
 </p:sld>
 </file>
 
+<file path=ppt/slides/slide10.xml><?xml version="1.0" encoding="utf-8"?>
+<p:sld xmlns:a="http://schemas.openxmlformats.org/drawingml/2006/main" xmlns:r="http://schemas.openxmlformats.org/officeDocument/2006/relationships" xmlns:p="http://schemas.openxmlformats.org/presentationml/2006/main">
+  <p:cSld>
+    <p:spTree>
+      <p:nvGrpSpPr>
+        <p:cNvPr id="1" name=""/>
+        <p:cNvGrpSpPr/>
+        <p:nvPr/>
+      </p:nvGrpSpPr>
+      <p:grpSpPr>
+        <a:xfrm>
+          <a:off x="0" y="0"/>
+          <a:ext cx="0" cy="0"/>
+          <a:chOff x="0" y="0"/>
+          <a:chExt cx="0" cy="0"/>
+        </a:xfrm>
+      </p:grpSpPr>
+      <p:sp>
+        <p:nvSpPr>
+          <p:cNvPr id="2" name="Titel 1">
+            <a:extLst>
+              <a:ext uri="{FF2B5EF4-FFF2-40B4-BE49-F238E27FC236}">
+                <a16:creationId xmlns:a16="http://schemas.microsoft.com/office/drawing/2014/main" id="{F2DE40A4-3301-49E1-A96F-25888B1E04F2}"/>
+              </a:ext>
+            </a:extLst>
+          </p:cNvPr>
+          <p:cNvSpPr>
+            <a:spLocks noGrp="1"/>
+          </p:cNvSpPr>
+          <p:nvPr>
+            <p:ph type="title"/>
+          </p:nvPr>
+        </p:nvSpPr>
+        <p:spPr/>
+        <p:txBody>
+          <a:bodyPr/>
+          <a:lstStyle/>
+          <a:p>
+            <a:r>
+              <a:rPr lang="de-DE" dirty="0">
+                <a:cs typeface="Calibri Light"/>
+              </a:rPr>
+              <a:t>Organisation der Informationssicherheit</a:t>
+            </a:r>
+            <a:endParaRPr lang="de-DE" dirty="0">
+              <a:ea typeface="+mj-lt"/>
+              <a:cs typeface="+mj-lt"/>
+            </a:endParaRPr>
+          </a:p>
+        </p:txBody>
+      </p:sp>
+      <p:sp>
+        <p:nvSpPr>
+          <p:cNvPr id="3" name="Inhaltsplatzhalter 2">
+            <a:extLst>
+              <a:ext uri="{FF2B5EF4-FFF2-40B4-BE49-F238E27FC236}">
+                <a16:creationId xmlns:a16="http://schemas.microsoft.com/office/drawing/2014/main" id="{983FEF7D-5EFE-4F10-A735-B8EA976458D8}"/>
+              </a:ext>
+            </a:extLst>
+          </p:cNvPr>
+          <p:cNvSpPr>
+            <a:spLocks noGrp="1"/>
+          </p:cNvSpPr>
+          <p:nvPr>
+            <p:ph idx="1"/>
+          </p:nvPr>
+        </p:nvSpPr>
+        <p:spPr/>
+        <p:txBody>
+          <a:bodyPr vert="horz" lIns="91440" tIns="45720" rIns="91440" bIns="45720" rtlCol="0" anchor="t">
+            <a:normAutofit/>
+          </a:bodyPr>
+          <a:lstStyle/>
+          <a:p>
+            <a:r>
+              <a:rPr lang="de-DE" dirty="0">
+                <a:cs typeface="Calibri"/>
+              </a:rPr>
+              <a:t>Verteilung der Rollen innerhalb der Organisation</a:t>
+            </a:r>
+          </a:p>
+          <a:p>
+            <a:endParaRPr lang="de-DE" dirty="0">
+              <a:cs typeface="Calibri"/>
+            </a:endParaRPr>
+          </a:p>
+          <a:p>
+            <a:r>
+              <a:rPr lang="de-DE" dirty="0">
+                <a:cs typeface="Calibri"/>
+              </a:rPr>
+              <a:t>Definierung der Pflichten einzelner Rollen</a:t>
+            </a:r>
+          </a:p>
+          <a:p>
+            <a:endParaRPr lang="de-DE" dirty="0">
+              <a:cs typeface="Calibri"/>
+            </a:endParaRPr>
+          </a:p>
+          <a:p>
+            <a:r>
+              <a:rPr lang="de-DE" dirty="0">
+                <a:cs typeface="Calibri"/>
+              </a:rPr>
+              <a:t>Definierung der Informationsfreigabe nach außen</a:t>
+            </a:r>
+          </a:p>
+          <a:p>
+            <a:endParaRPr lang="de-DE" dirty="0">
+              <a:cs typeface="Calibri"/>
+            </a:endParaRPr>
+          </a:p>
+          <a:p>
+            <a:r>
+              <a:rPr lang="de-DE" dirty="0">
+                <a:cs typeface="Calibri"/>
+              </a:rPr>
+              <a:t>Regulierung der Informationssicherheit bei den Mobilen Geräten</a:t>
+            </a:r>
+          </a:p>
+        </p:txBody>
+      </p:sp>
+      <p:sp>
+        <p:nvSpPr>
+          <p:cNvPr id="4" name="Fußzeilenplatzhalter 3">
+            <a:extLst>
+              <a:ext uri="{FF2B5EF4-FFF2-40B4-BE49-F238E27FC236}">
+                <a16:creationId xmlns:a16="http://schemas.microsoft.com/office/drawing/2014/main" id="{CC621537-89B8-466C-A737-6B21653F3C69}"/>
+              </a:ext>
+            </a:extLst>
+          </p:cNvPr>
+          <p:cNvSpPr>
+            <a:spLocks noGrp="1"/>
+          </p:cNvSpPr>
+          <p:nvPr>
+            <p:ph type="ftr" sz="quarter" idx="11"/>
+          </p:nvPr>
+        </p:nvSpPr>
+        <p:spPr/>
+        <p:txBody>
+          <a:bodyPr/>
+          <a:lstStyle/>
+          <a:p>
+            <a:pPr algn="ctr">
+              <a:defRPr/>
+            </a:pPr>
+            <a:r>
+              <a:rPr lang="de-DE" dirty="0"/>
+              <a:t>WS19/20 – ISO 27001 - Hertel, </a:t>
+            </a:r>
+            <a:r>
+              <a:rPr lang="de-DE" dirty="0" err="1"/>
+              <a:t>Kossendey</a:t>
+            </a:r>
+            <a:r>
+              <a:rPr lang="de-DE" dirty="0"/>
+              <a:t>, Kühnert, Withöft</a:t>
+            </a:r>
+          </a:p>
+        </p:txBody>
+      </p:sp>
+      <p:sp>
+        <p:nvSpPr>
+          <p:cNvPr id="5" name="Foliennummernplatzhalter 4">
+            <a:extLst>
+              <a:ext uri="{FF2B5EF4-FFF2-40B4-BE49-F238E27FC236}">
+                <a16:creationId xmlns:a16="http://schemas.microsoft.com/office/drawing/2014/main" id="{C537A6A3-2727-4A53-A423-D19DF8D016ED}"/>
+              </a:ext>
+            </a:extLst>
+          </p:cNvPr>
+          <p:cNvSpPr>
+            <a:spLocks noGrp="1"/>
+          </p:cNvSpPr>
+          <p:nvPr>
+            <p:ph type="sldNum" sz="quarter" idx="12"/>
+          </p:nvPr>
+        </p:nvSpPr>
+        <p:spPr/>
+        <p:txBody>
+          <a:bodyPr/>
+          <a:lstStyle/>
+          <a:p>
+            <a:fld id="{969E759D-A893-4B96-8B48-96EE547EBC41}" type="slidenum">
+              <a:rPr lang="de-DE" smtClean="0"/>
+              <a:t>10</a:t>
+            </a:fld>
+            <a:endParaRPr lang="de-DE"/>
+          </a:p>
+        </p:txBody>
+      </p:sp>
+    </p:spTree>
+    <p:extLst>
+      <p:ext uri="{BB962C8B-B14F-4D97-AF65-F5344CB8AC3E}">
+        <p14:creationId xmlns:p14="http://schemas.microsoft.com/office/powerpoint/2010/main" val="14905223"/>
+      </p:ext>
+    </p:extLst>
+  </p:cSld>
+  <p:clrMapOvr>
+    <a:masterClrMapping/>
+  </p:clrMapOvr>
+</p:sld>
+</file>
+
+<file path=ppt/slides/slide11.xml><?xml version="1.0" encoding="utf-8"?>
+<p:sld xmlns:a="http://schemas.openxmlformats.org/drawingml/2006/main" xmlns:r="http://schemas.openxmlformats.org/officeDocument/2006/relationships" xmlns:p="http://schemas.openxmlformats.org/presentationml/2006/main">
+  <p:cSld>
+    <p:spTree>
+      <p:nvGrpSpPr>
+        <p:cNvPr id="1" name=""/>
+        <p:cNvGrpSpPr/>
+        <p:nvPr/>
+      </p:nvGrpSpPr>
+      <p:grpSpPr>
+        <a:xfrm>
+          <a:off x="0" y="0"/>
+          <a:ext cx="0" cy="0"/>
+          <a:chOff x="0" y="0"/>
+          <a:chExt cx="0" cy="0"/>
+        </a:xfrm>
+      </p:grpSpPr>
+      <p:sp>
+        <p:nvSpPr>
+          <p:cNvPr id="2" name="Titel 1">
+            <a:extLst>
+              <a:ext uri="{FF2B5EF4-FFF2-40B4-BE49-F238E27FC236}">
+                <a16:creationId xmlns:a16="http://schemas.microsoft.com/office/drawing/2014/main" id="{AB6B2F2A-F049-4958-B10C-63F76E6D8B9F}"/>
+              </a:ext>
+            </a:extLst>
+          </p:cNvPr>
+          <p:cNvSpPr>
+            <a:spLocks noGrp="1"/>
+          </p:cNvSpPr>
+          <p:nvPr>
+            <p:ph type="title"/>
+          </p:nvPr>
+        </p:nvSpPr>
+        <p:spPr/>
+        <p:txBody>
+          <a:bodyPr/>
+          <a:lstStyle/>
+          <a:p>
+            <a:r>
+              <a:rPr lang="de-DE" dirty="0">
+                <a:ea typeface="+mj-lt"/>
+                <a:cs typeface="+mj-lt"/>
+              </a:rPr>
+              <a:t>Organisation der Informationssicherheit</a:t>
+            </a:r>
+            <a:endParaRPr lang="de-DE" dirty="0"/>
+          </a:p>
+        </p:txBody>
+      </p:sp>
+      <p:sp>
+        <p:nvSpPr>
+          <p:cNvPr id="4" name="Fußzeilenplatzhalter 3">
+            <a:extLst>
+              <a:ext uri="{FF2B5EF4-FFF2-40B4-BE49-F238E27FC236}">
+                <a16:creationId xmlns:a16="http://schemas.microsoft.com/office/drawing/2014/main" id="{290C61B9-6F9B-41C6-8192-982B7CAEF9F7}"/>
+              </a:ext>
+            </a:extLst>
+          </p:cNvPr>
+          <p:cNvSpPr>
+            <a:spLocks noGrp="1"/>
+          </p:cNvSpPr>
+          <p:nvPr>
+            <p:ph type="ftr" sz="quarter" idx="11"/>
+          </p:nvPr>
+        </p:nvSpPr>
+        <p:spPr/>
+        <p:txBody>
+          <a:bodyPr/>
+          <a:lstStyle/>
+          <a:p>
+            <a:pPr algn="ctr">
+              <a:defRPr/>
+            </a:pPr>
+            <a:r>
+              <a:rPr lang="de-DE" dirty="0"/>
+              <a:t>WS19/20 – ISO 27001 - Hertel, </a:t>
+            </a:r>
+            <a:r>
+              <a:rPr lang="de-DE" dirty="0" err="1"/>
+              <a:t>Kossendey</a:t>
+            </a:r>
+            <a:r>
+              <a:rPr lang="de-DE" dirty="0"/>
+              <a:t>, Kühnert, Withöft</a:t>
+            </a:r>
+          </a:p>
+        </p:txBody>
+      </p:sp>
+      <p:sp>
+        <p:nvSpPr>
+          <p:cNvPr id="5" name="Foliennummernplatzhalter 4">
+            <a:extLst>
+              <a:ext uri="{FF2B5EF4-FFF2-40B4-BE49-F238E27FC236}">
+                <a16:creationId xmlns:a16="http://schemas.microsoft.com/office/drawing/2014/main" id="{B8148FB4-0FAA-449C-BA70-BE3138EF1F72}"/>
+              </a:ext>
+            </a:extLst>
+          </p:cNvPr>
+          <p:cNvSpPr>
+            <a:spLocks noGrp="1"/>
+          </p:cNvSpPr>
+          <p:nvPr>
+            <p:ph type="sldNum" sz="quarter" idx="12"/>
+          </p:nvPr>
+        </p:nvSpPr>
+        <p:spPr/>
+        <p:txBody>
+          <a:bodyPr/>
+          <a:lstStyle/>
+          <a:p>
+            <a:fld id="{969E759D-A893-4B96-8B48-96EE547EBC41}" type="slidenum">
+              <a:rPr lang="de-DE" smtClean="0"/>
+              <a:t>11</a:t>
+            </a:fld>
+            <a:endParaRPr lang="de-DE"/>
+          </a:p>
+        </p:txBody>
+      </p:sp>
+      <p:pic>
+        <p:nvPicPr>
+          <p:cNvPr id="10" name="Grafik 10">
+            <a:extLst>
+              <a:ext uri="{FF2B5EF4-FFF2-40B4-BE49-F238E27FC236}">
+                <a16:creationId xmlns:a16="http://schemas.microsoft.com/office/drawing/2014/main" id="{CF053EC1-8AA5-4C4C-959D-EC7254CA4683}"/>
+              </a:ext>
+            </a:extLst>
+          </p:cNvPr>
+          <p:cNvPicPr>
+            <a:picLocks noGrp="1" noChangeAspect="1"/>
+          </p:cNvPicPr>
+          <p:nvPr>
+            <p:ph idx="1"/>
+          </p:nvPr>
+        </p:nvPicPr>
+        <p:blipFill>
+          <a:blip r:embed="rId2"/>
+          <a:stretch>
+            <a:fillRect/>
+          </a:stretch>
+        </p:blipFill>
+        <p:spPr>
+          <a:xfrm>
+            <a:off x="838200" y="2089001"/>
+            <a:ext cx="10515600" cy="3824587"/>
+          </a:xfrm>
+        </p:spPr>
+      </p:pic>
+    </p:spTree>
+    <p:extLst>
+      <p:ext uri="{BB962C8B-B14F-4D97-AF65-F5344CB8AC3E}">
+        <p14:creationId xmlns:p14="http://schemas.microsoft.com/office/powerpoint/2010/main" val="1891014488"/>
+      </p:ext>
+    </p:extLst>
+  </p:cSld>
+  <p:clrMapOvr>
+    <a:masterClrMapping/>
+  </p:clrMapOvr>
+</p:sld>
+</file>
+
+<file path=ppt/slides/slide12.xml><?xml version="1.0" encoding="utf-8"?>
+<p:sld xmlns:a="http://schemas.openxmlformats.org/drawingml/2006/main" xmlns:r="http://schemas.openxmlformats.org/officeDocument/2006/relationships" xmlns:p="http://schemas.openxmlformats.org/presentationml/2006/main">
+  <p:cSld>
+    <p:spTree>
+      <p:nvGrpSpPr>
+        <p:cNvPr id="1" name=""/>
+        <p:cNvGrpSpPr/>
+        <p:nvPr/>
+      </p:nvGrpSpPr>
+      <p:grpSpPr>
+        <a:xfrm>
+          <a:off x="0" y="0"/>
+          <a:ext cx="0" cy="0"/>
+          <a:chOff x="0" y="0"/>
+          <a:chExt cx="0" cy="0"/>
+        </a:xfrm>
+      </p:grpSpPr>
+      <p:sp>
+        <p:nvSpPr>
+          <p:cNvPr id="2" name="Titel 1">
+            <a:extLst>
+              <a:ext uri="{FF2B5EF4-FFF2-40B4-BE49-F238E27FC236}">
+                <a16:creationId xmlns:a16="http://schemas.microsoft.com/office/drawing/2014/main" id="{6B9DBB41-B79B-4E31-BD62-A3007B9316D2}"/>
+              </a:ext>
+            </a:extLst>
+          </p:cNvPr>
+          <p:cNvSpPr>
+            <a:spLocks noGrp="1"/>
+          </p:cNvSpPr>
+          <p:nvPr>
+            <p:ph type="title"/>
+          </p:nvPr>
+        </p:nvSpPr>
+        <p:spPr/>
+        <p:txBody>
+          <a:bodyPr/>
+          <a:lstStyle/>
+          <a:p>
+            <a:r>
+              <a:rPr lang="de-DE">
+                <a:ea typeface="+mj-lt"/>
+                <a:cs typeface="+mj-lt"/>
+              </a:rPr>
+              <a:t>Ressourcenmanagement</a:t>
+            </a:r>
+            <a:endParaRPr lang="de-DE"/>
+          </a:p>
+        </p:txBody>
+      </p:sp>
+      <p:sp>
+        <p:nvSpPr>
+          <p:cNvPr id="3" name="Inhaltsplatzhalter 2">
+            <a:extLst>
+              <a:ext uri="{FF2B5EF4-FFF2-40B4-BE49-F238E27FC236}">
+                <a16:creationId xmlns:a16="http://schemas.microsoft.com/office/drawing/2014/main" id="{A8D29A4C-7400-4E8E-8478-F8023CCDB908}"/>
+              </a:ext>
+            </a:extLst>
+          </p:cNvPr>
+          <p:cNvSpPr>
+            <a:spLocks noGrp="1"/>
+          </p:cNvSpPr>
+          <p:nvPr>
+            <p:ph idx="1"/>
+          </p:nvPr>
+        </p:nvSpPr>
+        <p:spPr/>
+        <p:txBody>
+          <a:bodyPr vert="horz" lIns="91440" tIns="45720" rIns="91440" bIns="45720" rtlCol="0" anchor="t">
+            <a:normAutofit/>
+          </a:bodyPr>
+          <a:lstStyle/>
+          <a:p>
+            <a:r>
+              <a:rPr lang="de-DE">
+                <a:cs typeface="Calibri"/>
+              </a:rPr>
+              <a:t>Angemessener Schutz und Kontrolle der Unternehmens</a:t>
+            </a:r>
+            <a:r>
+              <a:rPr lang="de-DE">
+                <a:latin typeface="Calibri"/>
+                <a:cs typeface="Calibri"/>
+              </a:rPr>
+              <a:t> Ressourcen</a:t>
+            </a:r>
+            <a:endParaRPr lang="de-DE">
+              <a:latin typeface="Calibri Light"/>
+              <a:cs typeface="Calibri Light"/>
+            </a:endParaRPr>
+          </a:p>
+          <a:p>
+            <a:endParaRPr lang="de-DE" dirty="0">
+              <a:cs typeface="Calibri"/>
+            </a:endParaRPr>
+          </a:p>
+          <a:p>
+            <a:r>
+              <a:rPr lang="de-DE">
+                <a:cs typeface="Calibri"/>
+              </a:rPr>
+              <a:t>Alle </a:t>
+            </a:r>
+            <a:r>
+              <a:rPr lang="de-DE">
+                <a:latin typeface="Calibri"/>
+                <a:cs typeface="Calibri"/>
+              </a:rPr>
+              <a:t>Ressourcen </a:t>
+            </a:r>
+            <a:r>
+              <a:rPr lang="de-DE">
+                <a:cs typeface="Calibri"/>
+              </a:rPr>
+              <a:t>müssen eindeutig Identifiziert werden</a:t>
+            </a:r>
+          </a:p>
+          <a:p>
+            <a:endParaRPr lang="de-DE" dirty="0">
+              <a:cs typeface="Calibri"/>
+            </a:endParaRPr>
+          </a:p>
+          <a:p>
+            <a:r>
+              <a:rPr lang="de-DE">
+                <a:cs typeface="Calibri"/>
+              </a:rPr>
+              <a:t>Umsetzung und Einhaltung von Kontrollregeln für die Ressourcen</a:t>
+            </a:r>
+            <a:endParaRPr lang="de-DE" dirty="0">
+              <a:cs typeface="Calibri"/>
+            </a:endParaRPr>
+          </a:p>
+          <a:p>
+            <a:endParaRPr lang="de-DE" dirty="0">
+              <a:cs typeface="Calibri"/>
+            </a:endParaRPr>
+          </a:p>
+          <a:p>
+            <a:r>
+              <a:rPr lang="de-DE">
+                <a:cs typeface="Calibri"/>
+              </a:rPr>
+              <a:t>Klassifizierung der Ressourcen </a:t>
+            </a:r>
+            <a:endParaRPr lang="de-DE" dirty="0">
+              <a:cs typeface="Calibri"/>
+            </a:endParaRPr>
+          </a:p>
+        </p:txBody>
+      </p:sp>
+      <p:sp>
+        <p:nvSpPr>
+          <p:cNvPr id="4" name="Fußzeilenplatzhalter 3">
+            <a:extLst>
+              <a:ext uri="{FF2B5EF4-FFF2-40B4-BE49-F238E27FC236}">
+                <a16:creationId xmlns:a16="http://schemas.microsoft.com/office/drawing/2014/main" id="{36C3092C-FA85-4B51-9A0D-440A07EA740B}"/>
+              </a:ext>
+            </a:extLst>
+          </p:cNvPr>
+          <p:cNvSpPr>
+            <a:spLocks noGrp="1"/>
+          </p:cNvSpPr>
+          <p:nvPr>
+            <p:ph type="ftr" sz="quarter" idx="11"/>
+          </p:nvPr>
+        </p:nvSpPr>
+        <p:spPr/>
+        <p:txBody>
+          <a:bodyPr/>
+          <a:lstStyle/>
+          <a:p>
+            <a:pPr algn="ctr">
+              <a:defRPr/>
+            </a:pPr>
+            <a:r>
+              <a:rPr lang="de-DE" dirty="0"/>
+              <a:t>WS19/20 – ISO 27001 - Hertel, </a:t>
+            </a:r>
+            <a:r>
+              <a:rPr lang="de-DE" dirty="0" err="1"/>
+              <a:t>Kossendey</a:t>
+            </a:r>
+            <a:r>
+              <a:rPr lang="de-DE" dirty="0"/>
+              <a:t>, Kühnert, Withöft</a:t>
+            </a:r>
+          </a:p>
+        </p:txBody>
+      </p:sp>
+      <p:sp>
+        <p:nvSpPr>
+          <p:cNvPr id="5" name="Foliennummernplatzhalter 4">
+            <a:extLst>
+              <a:ext uri="{FF2B5EF4-FFF2-40B4-BE49-F238E27FC236}">
+                <a16:creationId xmlns:a16="http://schemas.microsoft.com/office/drawing/2014/main" id="{C3ABFC6D-9868-4483-A76D-CDBFACE53990}"/>
+              </a:ext>
+            </a:extLst>
+          </p:cNvPr>
+          <p:cNvSpPr>
+            <a:spLocks noGrp="1"/>
+          </p:cNvSpPr>
+          <p:nvPr>
+            <p:ph type="sldNum" sz="quarter" idx="12"/>
+          </p:nvPr>
+        </p:nvSpPr>
+        <p:spPr/>
+        <p:txBody>
+          <a:bodyPr/>
+          <a:lstStyle/>
+          <a:p>
+            <a:fld id="{969E759D-A893-4B96-8B48-96EE547EBC41}" type="slidenum">
+              <a:rPr lang="de-DE" smtClean="0"/>
+              <a:t>‹Nr.›</a:t>
+            </a:fld>
+            <a:endParaRPr lang="de-DE"/>
+          </a:p>
+        </p:txBody>
+      </p:sp>
+    </p:spTree>
+    <p:extLst>
+      <p:ext uri="{BB962C8B-B14F-4D97-AF65-F5344CB8AC3E}">
+        <p14:creationId xmlns:p14="http://schemas.microsoft.com/office/powerpoint/2010/main" val="2928529281"/>
+      </p:ext>
+    </p:extLst>
+  </p:cSld>
+  <p:clrMapOvr>
+    <a:masterClrMapping/>
+  </p:clrMapOvr>
+</p:sld>
+</file>
+
+<file path=ppt/slides/slide13.xml><?xml version="1.0" encoding="utf-8"?>
+<p:sld xmlns:a="http://schemas.openxmlformats.org/drawingml/2006/main" xmlns:r="http://schemas.openxmlformats.org/officeDocument/2006/relationships" xmlns:p="http://schemas.openxmlformats.org/presentationml/2006/main">
+  <p:cSld>
+    <p:spTree>
+      <p:nvGrpSpPr>
+        <p:cNvPr id="1" name=""/>
+        <p:cNvGrpSpPr/>
+        <p:nvPr/>
+      </p:nvGrpSpPr>
+      <p:grpSpPr>
+        <a:xfrm>
+          <a:off x="0" y="0"/>
+          <a:ext cx="0" cy="0"/>
+          <a:chOff x="0" y="0"/>
+          <a:chExt cx="0" cy="0"/>
+        </a:xfrm>
+      </p:grpSpPr>
+      <p:sp>
+        <p:nvSpPr>
+          <p:cNvPr id="2" name="Titel 1">
+            <a:extLst>
+              <a:ext uri="{FF2B5EF4-FFF2-40B4-BE49-F238E27FC236}">
+                <a16:creationId xmlns:a16="http://schemas.microsoft.com/office/drawing/2014/main" id="{CAFC2FCE-D042-4045-B07F-95F0175A1205}"/>
+              </a:ext>
+            </a:extLst>
+          </p:cNvPr>
+          <p:cNvSpPr>
+            <a:spLocks noGrp="1"/>
+          </p:cNvSpPr>
+          <p:nvPr>
+            <p:ph type="title"/>
+          </p:nvPr>
+        </p:nvSpPr>
+        <p:spPr/>
+        <p:txBody>
+          <a:bodyPr/>
+          <a:lstStyle/>
+          <a:p>
+            <a:r>
+              <a:rPr lang="de-DE">
+                <a:ea typeface="+mj-lt"/>
+                <a:cs typeface="+mj-lt"/>
+              </a:rPr>
+              <a:t>Compliance/Konformität</a:t>
+            </a:r>
+            <a:endParaRPr lang="de-DE"/>
+          </a:p>
+        </p:txBody>
+      </p:sp>
+      <p:sp>
+        <p:nvSpPr>
+          <p:cNvPr id="3" name="Inhaltsplatzhalter 2">
+            <a:extLst>
+              <a:ext uri="{FF2B5EF4-FFF2-40B4-BE49-F238E27FC236}">
+                <a16:creationId xmlns:a16="http://schemas.microsoft.com/office/drawing/2014/main" id="{C96F1224-45C8-4713-B194-3EA46A573640}"/>
+              </a:ext>
+            </a:extLst>
+          </p:cNvPr>
+          <p:cNvSpPr>
+            <a:spLocks noGrp="1"/>
+          </p:cNvSpPr>
+          <p:nvPr>
+            <p:ph idx="1"/>
+          </p:nvPr>
+        </p:nvSpPr>
+        <p:spPr/>
+        <p:txBody>
+          <a:bodyPr vert="horz" lIns="91440" tIns="45720" rIns="91440" bIns="45720" rtlCol="0" anchor="t">
+            <a:normAutofit fontScale="92500" lnSpcReduction="20000"/>
+          </a:bodyPr>
+          <a:lstStyle/>
+          <a:p>
+            <a:r>
+              <a:rPr lang="de-DE">
+                <a:cs typeface="Calibri"/>
+              </a:rPr>
+              <a:t>Einhaltung der Gesetzlichen Vorschriften</a:t>
+            </a:r>
+          </a:p>
+          <a:p>
+            <a:endParaRPr lang="de-DE" dirty="0">
+              <a:cs typeface="Calibri"/>
+            </a:endParaRPr>
+          </a:p>
+          <a:p>
+            <a:r>
+              <a:rPr lang="de-DE">
+                <a:cs typeface="Calibri"/>
+              </a:rPr>
+              <a:t>Kontrolle der Rechte des Geistigen Eigentums</a:t>
+            </a:r>
+          </a:p>
+          <a:p>
+            <a:endParaRPr lang="de-DE" dirty="0">
+              <a:cs typeface="Calibri"/>
+            </a:endParaRPr>
+          </a:p>
+          <a:p>
+            <a:r>
+              <a:rPr lang="de-DE">
+                <a:cs typeface="Calibri"/>
+              </a:rPr>
+              <a:t>Schützen von Personenbezogenen Daten (</a:t>
+            </a:r>
+            <a:r>
+              <a:rPr lang="de-DE">
+                <a:ea typeface="+mn-lt"/>
+                <a:cs typeface="+mn-lt"/>
+              </a:rPr>
+              <a:t>DSGVO)</a:t>
+            </a:r>
+            <a:endParaRPr lang="de-DE" dirty="0">
+              <a:ea typeface="+mn-lt"/>
+              <a:cs typeface="+mn-lt"/>
+            </a:endParaRPr>
+          </a:p>
+          <a:p>
+            <a:endParaRPr lang="de-DE" dirty="0">
+              <a:cs typeface="Calibri"/>
+            </a:endParaRPr>
+          </a:p>
+          <a:p>
+            <a:r>
+              <a:rPr lang="de-DE">
+                <a:cs typeface="Calibri"/>
+              </a:rPr>
+              <a:t>Regelmäßige überprüfung der Kontrollsysteme</a:t>
+            </a:r>
+            <a:endParaRPr lang="de-DE" dirty="0">
+              <a:cs typeface="Calibri"/>
+            </a:endParaRPr>
+          </a:p>
+          <a:p>
+            <a:endParaRPr lang="de-DE" dirty="0">
+              <a:cs typeface="Calibri"/>
+            </a:endParaRPr>
+          </a:p>
+          <a:p>
+            <a:r>
+              <a:rPr lang="de-DE">
+                <a:cs typeface="Calibri"/>
+              </a:rPr>
+              <a:t>Organisations interne Aufzeichnungen vor </a:t>
+            </a:r>
+            <a:endParaRPr lang="de-DE" dirty="0">
+              <a:cs typeface="Calibri"/>
+            </a:endParaRPr>
+          </a:p>
+          <a:p>
+            <a:pPr marL="0" indent="0">
+              <a:buNone/>
+            </a:pPr>
+            <a:r>
+              <a:rPr lang="de-DE">
+                <a:cs typeface="Calibri"/>
+              </a:rPr>
+              <a:t>   Verlust/Verfälschung/Zerstöruung schützen</a:t>
+            </a:r>
+          </a:p>
+          <a:p>
+            <a:pPr marL="0" indent="0">
+              <a:buNone/>
+            </a:pPr>
+            <a:endParaRPr lang="de-DE" dirty="0">
+              <a:cs typeface="Calibri"/>
+            </a:endParaRPr>
+          </a:p>
+        </p:txBody>
+      </p:sp>
+      <p:sp>
+        <p:nvSpPr>
+          <p:cNvPr id="4" name="Fußzeilenplatzhalter 3">
+            <a:extLst>
+              <a:ext uri="{FF2B5EF4-FFF2-40B4-BE49-F238E27FC236}">
+                <a16:creationId xmlns:a16="http://schemas.microsoft.com/office/drawing/2014/main" id="{7D121356-F5E8-4834-891A-22511FBCB788}"/>
+              </a:ext>
+            </a:extLst>
+          </p:cNvPr>
+          <p:cNvSpPr>
+            <a:spLocks noGrp="1"/>
+          </p:cNvSpPr>
+          <p:nvPr>
+            <p:ph type="ftr" sz="quarter" idx="11"/>
+          </p:nvPr>
+        </p:nvSpPr>
+        <p:spPr/>
+        <p:txBody>
+          <a:bodyPr/>
+          <a:lstStyle/>
+          <a:p>
+            <a:pPr algn="ctr">
+              <a:defRPr/>
+            </a:pPr>
+            <a:r>
+              <a:rPr lang="de-DE" dirty="0"/>
+              <a:t>WS19/20 – ISO 27001 - Hertel, </a:t>
+            </a:r>
+            <a:r>
+              <a:rPr lang="de-DE" dirty="0" err="1"/>
+              <a:t>Kossendey</a:t>
+            </a:r>
+            <a:r>
+              <a:rPr lang="de-DE" dirty="0"/>
+              <a:t>, Kühnert, Withöft</a:t>
+            </a:r>
+          </a:p>
+        </p:txBody>
+      </p:sp>
+      <p:sp>
+        <p:nvSpPr>
+          <p:cNvPr id="5" name="Foliennummernplatzhalter 4">
+            <a:extLst>
+              <a:ext uri="{FF2B5EF4-FFF2-40B4-BE49-F238E27FC236}">
+                <a16:creationId xmlns:a16="http://schemas.microsoft.com/office/drawing/2014/main" id="{735CCF72-5382-4136-8B89-4DAF5CF94406}"/>
+              </a:ext>
+            </a:extLst>
+          </p:cNvPr>
+          <p:cNvSpPr>
+            <a:spLocks noGrp="1"/>
+          </p:cNvSpPr>
+          <p:nvPr>
+            <p:ph type="sldNum" sz="quarter" idx="12"/>
+          </p:nvPr>
+        </p:nvSpPr>
+        <p:spPr/>
+        <p:txBody>
+          <a:bodyPr/>
+          <a:lstStyle/>
+          <a:p>
+            <a:fld id="{969E759D-A893-4B96-8B48-96EE547EBC41}" type="slidenum">
+              <a:rPr lang="de-DE" smtClean="0"/>
+              <a:t>12</a:t>
+            </a:fld>
+            <a:endParaRPr lang="de-DE"/>
+          </a:p>
+        </p:txBody>
+      </p:sp>
+    </p:spTree>
+    <p:extLst>
+      <p:ext uri="{BB962C8B-B14F-4D97-AF65-F5344CB8AC3E}">
+        <p14:creationId xmlns:p14="http://schemas.microsoft.com/office/powerpoint/2010/main" val="4046221361"/>
+      </p:ext>
+    </p:extLst>
+  </p:cSld>
+  <p:clrMapOvr>
+    <a:masterClrMapping/>
+  </p:clrMapOvr>
+</p:sld>
+</file>
+
+<file path=ppt/slides/slide14.xml><?xml version="1.0" encoding="utf-8"?>
+<p:sld xmlns:a="http://schemas.openxmlformats.org/drawingml/2006/main" xmlns:r="http://schemas.openxmlformats.org/officeDocument/2006/relationships" xmlns:p="http://schemas.openxmlformats.org/presentationml/2006/main">
+  <p:cSld>
+    <p:spTree>
+      <p:nvGrpSpPr>
+        <p:cNvPr id="1" name=""/>
+        <p:cNvGrpSpPr/>
+        <p:nvPr/>
+      </p:nvGrpSpPr>
+      <p:grpSpPr>
+        <a:xfrm>
+          <a:off x="0" y="0"/>
+          <a:ext cx="0" cy="0"/>
+          <a:chOff x="0" y="0"/>
+          <a:chExt cx="0" cy="0"/>
+        </a:xfrm>
+      </p:grpSpPr>
+      <p:sp>
+        <p:nvSpPr>
+          <p:cNvPr id="2" name="Titel 1">
+            <a:extLst>
+              <a:ext uri="{FF2B5EF4-FFF2-40B4-BE49-F238E27FC236}">
+                <a16:creationId xmlns:a16="http://schemas.microsoft.com/office/drawing/2014/main" id="{421C820C-A06B-4B99-A94A-AE3BE997C744}"/>
+              </a:ext>
+            </a:extLst>
+          </p:cNvPr>
+          <p:cNvSpPr>
+            <a:spLocks noGrp="1"/>
+          </p:cNvSpPr>
+          <p:nvPr>
+            <p:ph type="title"/>
+          </p:nvPr>
+        </p:nvSpPr>
+        <p:spPr/>
+        <p:txBody>
+          <a:bodyPr/>
+          <a:lstStyle/>
+          <a:p>
+            <a:r>
+              <a:rPr lang="de-DE" dirty="0">
+                <a:cs typeface="Calibri Light"/>
+              </a:rPr>
+              <a:t>Quellen</a:t>
+            </a:r>
+            <a:endParaRPr lang="de-DE" dirty="0"/>
+          </a:p>
+        </p:txBody>
+      </p:sp>
+      <p:sp>
+        <p:nvSpPr>
+          <p:cNvPr id="3" name="Inhaltsplatzhalter 2">
+            <a:extLst>
+              <a:ext uri="{FF2B5EF4-FFF2-40B4-BE49-F238E27FC236}">
+                <a16:creationId xmlns:a16="http://schemas.microsoft.com/office/drawing/2014/main" id="{2A6D1A6B-238C-46C1-AC82-ACA09117A5E3}"/>
+              </a:ext>
+            </a:extLst>
+          </p:cNvPr>
+          <p:cNvSpPr>
+            <a:spLocks noGrp="1"/>
+          </p:cNvSpPr>
+          <p:nvPr>
+            <p:ph idx="1"/>
+          </p:nvPr>
+        </p:nvSpPr>
+        <p:spPr/>
+        <p:txBody>
+          <a:bodyPr vert="horz" lIns="91440" tIns="45720" rIns="91440" bIns="45720" rtlCol="0" anchor="t">
+            <a:normAutofit/>
+          </a:bodyPr>
+          <a:lstStyle/>
+          <a:p>
+            <a:r>
+              <a:rPr lang="de-DE" sz="1200" dirty="0">
+                <a:ea typeface="+mn-lt"/>
+                <a:cs typeface="+mn-lt"/>
+                <a:hlinkClick r:id="rId2"/>
+              </a:rPr>
+              <a:t>http://gender.govmu.org/English/Documents/activities/gender%20infsys/AnnexIX1302.pdf</a:t>
+            </a:r>
+            <a:endParaRPr lang="de-DE" sz="1200" dirty="0">
+              <a:ea typeface="+mn-lt"/>
+              <a:cs typeface="+mn-lt"/>
+            </a:endParaRPr>
+          </a:p>
+          <a:p>
+            <a:r>
+              <a:rPr lang="de-DE" sz="1200" dirty="0">
+                <a:ea typeface="+mn-lt"/>
+                <a:cs typeface="+mn-lt"/>
+                <a:hlinkClick r:id="rId3"/>
+              </a:rPr>
+              <a:t>https://www.iso27001-it-sicherheit.de/isms/sicherheitspolitik_iso_27001_27002/</a:t>
+            </a:r>
+            <a:endParaRPr lang="de-DE" sz="1200" dirty="0">
+              <a:ea typeface="+mn-lt"/>
+              <a:cs typeface="+mn-lt"/>
+            </a:endParaRPr>
+          </a:p>
+          <a:p>
+            <a:r>
+              <a:rPr lang="de-DE" sz="1200" dirty="0">
+                <a:ea typeface="+mn-lt"/>
+                <a:cs typeface="+mn-lt"/>
+                <a:hlinkClick r:id="rId4"/>
+              </a:rPr>
+              <a:t>https://www.security-insider.de/bestimmungen-und-tipps-fuer-das-sicherheits-management-in-unternehmen-a-88275/index2.html</a:t>
+            </a:r>
+            <a:endParaRPr lang="de-DE" sz="1200" dirty="0">
+              <a:ea typeface="+mn-lt"/>
+              <a:cs typeface="+mn-lt"/>
+            </a:endParaRPr>
+          </a:p>
+          <a:p>
+            <a:r>
+              <a:rPr lang="de-DE" sz="1200" dirty="0">
+                <a:ea typeface="+mn-lt"/>
+                <a:cs typeface="+mn-lt"/>
+                <a:hlinkClick r:id="rId5"/>
+              </a:rPr>
+              <a:t>https://www.isms.online/iso-27001/annex-a-5-information-security-policies/</a:t>
+            </a:r>
+            <a:endParaRPr lang="de-DE" sz="1200">
+              <a:ea typeface="+mn-lt"/>
+              <a:cs typeface="+mn-lt"/>
+            </a:endParaRPr>
+          </a:p>
+          <a:p>
+            <a:r>
+              <a:rPr lang="de-DE" sz="1200" dirty="0">
+                <a:ea typeface="+mn-lt"/>
+                <a:cs typeface="+mn-lt"/>
+                <a:hlinkClick r:id="rId6"/>
+              </a:rPr>
+              <a:t>https://www.isms.online/iso-27001/annex-a-6-organisation-information-security/</a:t>
+            </a:r>
+          </a:p>
+          <a:p>
+            <a:r>
+              <a:rPr lang="de-DE" sz="1200" dirty="0">
+                <a:ea typeface="+mn-lt"/>
+                <a:cs typeface="+mn-lt"/>
+              </a:rPr>
+              <a:t>https://www.isms.online/iso-27001/annex-a-8-asset-management/</a:t>
+            </a:r>
+          </a:p>
+          <a:p>
+            <a:r>
+              <a:rPr lang="de-DE" sz="1200" dirty="0">
+                <a:ea typeface="+mn-lt"/>
+                <a:cs typeface="+mn-lt"/>
+              </a:rPr>
+              <a:t>https://www.isms.online/iso-27001/annex-a-18-compliance/</a:t>
+            </a:r>
+          </a:p>
+          <a:p>
+            <a:endParaRPr lang="de-DE" sz="1200" dirty="0">
+              <a:ea typeface="+mn-lt"/>
+              <a:cs typeface="+mn-lt"/>
+            </a:endParaRPr>
+          </a:p>
+          <a:p>
+            <a:endParaRPr lang="de-DE" sz="1200" dirty="0">
+              <a:ea typeface="+mn-lt"/>
+              <a:cs typeface="+mn-lt"/>
+            </a:endParaRPr>
+          </a:p>
+        </p:txBody>
+      </p:sp>
+      <p:sp>
+        <p:nvSpPr>
+          <p:cNvPr id="4" name="Fußzeilenplatzhalter 3">
+            <a:extLst>
+              <a:ext uri="{FF2B5EF4-FFF2-40B4-BE49-F238E27FC236}">
+                <a16:creationId xmlns:a16="http://schemas.microsoft.com/office/drawing/2014/main" id="{01E6BB29-6C8C-4E78-A50E-DE5501AF890F}"/>
+              </a:ext>
+            </a:extLst>
+          </p:cNvPr>
+          <p:cNvSpPr>
+            <a:spLocks noGrp="1"/>
+          </p:cNvSpPr>
+          <p:nvPr>
+            <p:ph type="ftr" sz="quarter" idx="11"/>
+          </p:nvPr>
+        </p:nvSpPr>
+        <p:spPr/>
+        <p:txBody>
+          <a:bodyPr/>
+          <a:lstStyle/>
+          <a:p>
+            <a:pPr algn="ctr">
+              <a:defRPr/>
+            </a:pPr>
+            <a:r>
+              <a:rPr lang="de-DE" dirty="0"/>
+              <a:t>WS19/20 – ISO 27001 - Hertel, </a:t>
+            </a:r>
+            <a:r>
+              <a:rPr lang="de-DE" dirty="0" err="1"/>
+              <a:t>Kossendey</a:t>
+            </a:r>
+            <a:r>
+              <a:rPr lang="de-DE" dirty="0"/>
+              <a:t>, Kühnert, Withöft</a:t>
+            </a:r>
+          </a:p>
+        </p:txBody>
+      </p:sp>
+      <p:sp>
+        <p:nvSpPr>
+          <p:cNvPr id="5" name="Foliennummernplatzhalter 4">
+            <a:extLst>
+              <a:ext uri="{FF2B5EF4-FFF2-40B4-BE49-F238E27FC236}">
+                <a16:creationId xmlns:a16="http://schemas.microsoft.com/office/drawing/2014/main" id="{C76F6544-2D99-488E-8FC4-3D5D5372AD32}"/>
+              </a:ext>
+            </a:extLst>
+          </p:cNvPr>
+          <p:cNvSpPr>
+            <a:spLocks noGrp="1"/>
+          </p:cNvSpPr>
+          <p:nvPr>
+            <p:ph type="sldNum" sz="quarter" idx="12"/>
+          </p:nvPr>
+        </p:nvSpPr>
+        <p:spPr/>
+        <p:txBody>
+          <a:bodyPr/>
+          <a:lstStyle/>
+          <a:p>
+            <a:fld id="{969E759D-A893-4B96-8B48-96EE547EBC41}" type="slidenum">
+              <a:rPr lang="de-DE" smtClean="0"/>
+              <a:t>13</a:t>
+            </a:fld>
+            <a:endParaRPr lang="de-DE"/>
+          </a:p>
+        </p:txBody>
+      </p:sp>
+    </p:spTree>
+    <p:extLst>
+      <p:ext uri="{BB962C8B-B14F-4D97-AF65-F5344CB8AC3E}">
+        <p14:creationId xmlns:p14="http://schemas.microsoft.com/office/powerpoint/2010/main" val="354746331"/>
+      </p:ext>
+    </p:extLst>
+  </p:cSld>
+  <p:clrMapOvr>
+    <a:masterClrMapping/>
+  </p:clrMapOvr>
+</p:sld>
+</file>
+
 <file path=ppt/slides/slide2.xml><?xml version="1.0" encoding="utf-8"?>
 <p:sld xmlns:a="http://schemas.openxmlformats.org/drawingml/2006/main" xmlns:r="http://schemas.openxmlformats.org/officeDocument/2006/relationships" xmlns:p="http://schemas.openxmlformats.org/presentationml/2006/main">
   <p:cSld>
@@ -7051,179 +8157,145 @@
           </a:xfrm>
         </p:spPr>
         <p:txBody>
-          <a:bodyPr>
+          <a:bodyPr vert="horz" lIns="91440" tIns="45720" rIns="91440" bIns="45720" rtlCol="0" anchor="t">
             <a:normAutofit fontScale="62500" lnSpcReduction="20000"/>
           </a:bodyPr>
           <a:lstStyle/>
           <a:p>
             <a:r>
-              <a:rPr lang="en-NZ" sz="2700" dirty="0" err="1"/>
-              <a:t>Sicherheitspolitik</a:t>
-            </a:r>
-            <a:r>
-              <a:rPr lang="en-NZ" sz="2700" dirty="0"/>
-              <a:t> – 2 Controls (Valentin)</a:t>
-            </a:r>
-          </a:p>
-          <a:p>
-            <a:r>
-              <a:rPr lang="en-NZ" sz="2700" dirty="0"/>
-              <a:t>Organisation der </a:t>
-            </a:r>
-            <a:r>
-              <a:rPr lang="en-NZ" sz="2700" dirty="0" err="1"/>
-              <a:t>Informationssicherheit</a:t>
-            </a:r>
-            <a:r>
-              <a:rPr lang="en-NZ" sz="2700" dirty="0"/>
-              <a:t> – 7 Controls (Valentin)</a:t>
-            </a:r>
-          </a:p>
-          <a:p>
-            <a:r>
-              <a:rPr lang="en-NZ" sz="2700" dirty="0" err="1"/>
-              <a:t>Personalsicherheit</a:t>
-            </a:r>
-            <a:r>
-              <a:rPr lang="en-NZ" sz="2700" dirty="0"/>
-              <a:t> – 6 Controls (Nicola)</a:t>
-            </a:r>
-          </a:p>
-          <a:p>
-            <a:r>
-              <a:rPr lang="en-NZ" sz="2700" dirty="0" err="1"/>
-              <a:t>Ressourcenmanagement</a:t>
-            </a:r>
-            <a:r>
-              <a:rPr lang="en-NZ" sz="2700" dirty="0"/>
-              <a:t> – 10 Controls (Valentin)</a:t>
-            </a:r>
-          </a:p>
-          <a:p>
-            <a:r>
-              <a:rPr lang="en-NZ" sz="2700" dirty="0" err="1"/>
-              <a:t>Zugriffskontrolle</a:t>
-            </a:r>
-            <a:r>
-              <a:rPr lang="en-NZ" sz="2700" dirty="0"/>
-              <a:t> – 14 Controls (Marcel)</a:t>
-            </a:r>
-          </a:p>
-          <a:p>
-            <a:r>
-              <a:rPr lang="en-NZ" sz="2700" dirty="0" err="1"/>
-              <a:t>Kryptografie</a:t>
-            </a:r>
-            <a:r>
-              <a:rPr lang="en-NZ" sz="2700" dirty="0"/>
-              <a:t> – 2 Controls (Nicola)</a:t>
-            </a:r>
-          </a:p>
-          <a:p>
-            <a:r>
-              <a:rPr lang="en-NZ" sz="2700" dirty="0" err="1"/>
-              <a:t>Umgebungssicherheit</a:t>
-            </a:r>
-            <a:r>
-              <a:rPr lang="en-NZ" sz="2700" dirty="0"/>
-              <a:t> – 15 Controls (Nicola)</a:t>
-            </a:r>
-          </a:p>
-          <a:p>
-            <a:r>
-              <a:rPr lang="en-NZ" sz="2700" dirty="0" err="1"/>
-              <a:t>Betriebssicherheit</a:t>
-            </a:r>
-            <a:r>
-              <a:rPr lang="en-NZ" sz="2700" dirty="0"/>
-              <a:t> – 14 Controls (Moritz)</a:t>
-            </a:r>
-          </a:p>
-          <a:p>
-            <a:r>
-              <a:rPr lang="en-NZ" sz="2700" dirty="0" err="1"/>
-              <a:t>Kommunikationssicherheit</a:t>
-            </a:r>
-            <a:r>
-              <a:rPr lang="en-NZ" sz="2700" dirty="0"/>
-              <a:t> – 7 Controls (Moritz)</a:t>
-            </a:r>
-          </a:p>
-          <a:p>
-            <a:r>
-              <a:rPr lang="en-NZ" sz="2700" dirty="0" err="1"/>
-              <a:t>Systemerwerb</a:t>
-            </a:r>
-            <a:r>
-              <a:rPr lang="en-NZ" sz="2700" dirty="0"/>
-              <a:t>, </a:t>
-            </a:r>
-            <a:r>
-              <a:rPr lang="en-NZ" sz="2700" dirty="0" err="1"/>
-              <a:t>Entwicklung</a:t>
-            </a:r>
-            <a:r>
-              <a:rPr lang="en-NZ" sz="2700" dirty="0"/>
-              <a:t> und </a:t>
-            </a:r>
-            <a:r>
-              <a:rPr lang="en-NZ" sz="2700" dirty="0" err="1"/>
-              <a:t>Wartung</a:t>
-            </a:r>
-            <a:r>
-              <a:rPr lang="en-NZ" sz="2700" dirty="0"/>
-              <a:t> – 13 Controls (Nicola)</a:t>
-            </a:r>
-          </a:p>
-          <a:p>
-            <a:r>
-              <a:rPr lang="en-NZ" sz="2700" dirty="0" err="1"/>
-              <a:t>Lieferantenbeziehungen</a:t>
-            </a:r>
-            <a:r>
-              <a:rPr lang="en-NZ" sz="2700" dirty="0"/>
-              <a:t>  - 5 Controls (Moritz)</a:t>
-            </a:r>
-          </a:p>
-          <a:p>
-            <a:r>
-              <a:rPr lang="en-NZ" sz="2700" dirty="0" err="1"/>
-              <a:t>Informationssicherheits-Störfallmanagement</a:t>
-            </a:r>
-            <a:r>
-              <a:rPr lang="en-NZ" sz="2700" dirty="0"/>
-              <a:t> – 7 Controls (Marcel)</a:t>
-            </a:r>
-          </a:p>
-          <a:p>
-            <a:r>
-              <a:rPr lang="en-NZ" sz="2700" dirty="0" err="1"/>
-              <a:t>Kontinuitätsmanagement</a:t>
-            </a:r>
-            <a:r>
-              <a:rPr lang="en-NZ" sz="2700" dirty="0"/>
-              <a:t> – 4 Controls (Marcel)</a:t>
-            </a:r>
-          </a:p>
-          <a:p>
-            <a:r>
-              <a:rPr lang="en-NZ" sz="2700" dirty="0"/>
-              <a:t>Compliance/</a:t>
-            </a:r>
-            <a:r>
-              <a:rPr lang="en-NZ" sz="2700" dirty="0" err="1"/>
-              <a:t>Konformität</a:t>
-            </a:r>
-            <a:r>
-              <a:rPr lang="en-NZ" sz="2700" dirty="0"/>
-              <a:t> – 8 Controls (Valentin)</a:t>
-            </a:r>
-          </a:p>
-          <a:p>
-            <a:endParaRPr lang="en-NZ" sz="2600" dirty="0"/>
-          </a:p>
-          <a:p>
-            <a:endParaRPr lang="en-NZ" sz="2600" dirty="0"/>
+              <a:rPr lang="de-DE" sz="2700" dirty="0"/>
+              <a:t>Sicherheitspolitik – 2 Controls (Valentin)</a:t>
+            </a:r>
+            <a:endParaRPr lang="de-DE" sz="2700" dirty="0">
+              <a:cs typeface="Calibri"/>
+            </a:endParaRPr>
+          </a:p>
+          <a:p>
+            <a:r>
+              <a:rPr lang="de-DE" sz="2700" dirty="0"/>
+              <a:t>Organisation der Informationssicherheit – 7 Controls (Valentin)</a:t>
+            </a:r>
+            <a:endParaRPr lang="de-DE" sz="2700" dirty="0">
+              <a:cs typeface="Calibri"/>
+            </a:endParaRPr>
+          </a:p>
+          <a:p>
+            <a:r>
+              <a:rPr lang="de-DE" sz="2700" dirty="0"/>
+              <a:t>Personalsicherheit – 6 Controls (Nicola)</a:t>
+            </a:r>
+            <a:endParaRPr lang="de-DE" sz="2700" dirty="0">
+              <a:cs typeface="Calibri"/>
+            </a:endParaRPr>
+          </a:p>
+          <a:p>
+            <a:r>
+              <a:rPr lang="de-DE" sz="2700" dirty="0"/>
+              <a:t>Ressourcenmanagement – 10 Controls (Valentin)</a:t>
+            </a:r>
+            <a:endParaRPr lang="de-DE" sz="2700" dirty="0">
+              <a:cs typeface="Calibri"/>
+            </a:endParaRPr>
+          </a:p>
+          <a:p>
+            <a:r>
+              <a:rPr lang="de-DE" sz="2700" dirty="0"/>
+              <a:t>Zugriffskontrolle – 14 Controls (Marcel)</a:t>
+            </a:r>
+            <a:endParaRPr lang="de-DE" sz="2700" dirty="0">
+              <a:cs typeface="Calibri"/>
+            </a:endParaRPr>
+          </a:p>
+          <a:p>
+            <a:r>
+              <a:rPr lang="de-DE" sz="2700" dirty="0"/>
+              <a:t>Kryptografie – 2 Controls (Nicola)</a:t>
+            </a:r>
+            <a:endParaRPr lang="de-DE" sz="2700" dirty="0">
+              <a:cs typeface="Calibri"/>
+            </a:endParaRPr>
+          </a:p>
+          <a:p>
+            <a:r>
+              <a:rPr lang="de-DE" sz="2700" dirty="0"/>
+              <a:t>Umgebungssicherheit – 15 Controls (Nicola)</a:t>
+            </a:r>
+            <a:endParaRPr lang="de-DE" sz="2700" dirty="0">
+              <a:cs typeface="Calibri"/>
+            </a:endParaRPr>
+          </a:p>
+          <a:p>
+            <a:r>
+              <a:rPr lang="de-DE" sz="2700" dirty="0"/>
+              <a:t>Betriebssicherheit – 14 Controls (Moritz)</a:t>
+            </a:r>
+            <a:endParaRPr lang="de-DE" sz="2700" dirty="0">
+              <a:cs typeface="Calibri"/>
+            </a:endParaRPr>
+          </a:p>
+          <a:p>
+            <a:r>
+              <a:rPr lang="de-DE" sz="2700" dirty="0"/>
+              <a:t>Kommunikationssicherheit – 7 Controls (Moritz)</a:t>
+            </a:r>
+            <a:endParaRPr lang="de-DE" sz="2700" dirty="0">
+              <a:cs typeface="Calibri"/>
+            </a:endParaRPr>
+          </a:p>
+          <a:p>
+            <a:r>
+              <a:rPr lang="de-DE" sz="2700" dirty="0"/>
+              <a:t>Systemerwerb, Entwicklung und Wartung – 13 Controls (Nicola)</a:t>
+            </a:r>
+            <a:endParaRPr lang="de-DE" sz="2700" dirty="0">
+              <a:cs typeface="Calibri"/>
+            </a:endParaRPr>
+          </a:p>
+          <a:p>
+            <a:r>
+              <a:rPr lang="de-DE" sz="2700" dirty="0"/>
+              <a:t>Lieferantenbeziehungen  - 5 Controls (Moritz)</a:t>
+            </a:r>
+            <a:endParaRPr lang="de-DE" sz="2700" dirty="0">
+              <a:cs typeface="Calibri"/>
+            </a:endParaRPr>
+          </a:p>
+          <a:p>
+            <a:r>
+              <a:rPr lang="de-DE" sz="2700" dirty="0"/>
+              <a:t>Informationssicherheits-Störfallmanagement – 7 Controls (Marcel)</a:t>
+            </a:r>
+            <a:endParaRPr lang="de-DE" sz="2700" dirty="0">
+              <a:cs typeface="Calibri"/>
+            </a:endParaRPr>
+          </a:p>
+          <a:p>
+            <a:r>
+              <a:rPr lang="de-DE" sz="2700" dirty="0"/>
+              <a:t>Kontinuitätsmanagement – 4 Controls (Marcel)</a:t>
+            </a:r>
+            <a:endParaRPr lang="de-DE" sz="2700" dirty="0">
+              <a:cs typeface="Calibri"/>
+            </a:endParaRPr>
+          </a:p>
+          <a:p>
+            <a:r>
+              <a:rPr lang="de-DE" sz="2700" dirty="0"/>
+              <a:t>Compliance/Konformität – 8 Controls (Valentin)</a:t>
+            </a:r>
+            <a:endParaRPr lang="de-DE" sz="2700" dirty="0">
+              <a:cs typeface="Calibri"/>
+            </a:endParaRPr>
+          </a:p>
+          <a:p>
+            <a:endParaRPr lang="de-DE" sz="2600" dirty="0">
+              <a:cs typeface="Calibri"/>
+            </a:endParaRPr>
+          </a:p>
+          <a:p>
+            <a:endParaRPr lang="de-DE" sz="2600" dirty="0">
+              <a:cs typeface="Calibri"/>
+            </a:endParaRPr>
           </a:p>
         </p:txBody>
       </p:sp>
@@ -7368,10 +8440,9 @@
           <a:lstStyle/>
           <a:p>
             <a:r>
-              <a:rPr lang="en-NZ" dirty="0" err="1"/>
+              <a:rPr lang="de-DE" dirty="0"/>
               <a:t>Sicherheitspolitik</a:t>
             </a:r>
-            <a:endParaRPr lang="en-NZ" dirty="0"/>
           </a:p>
         </p:txBody>
       </p:sp>
@@ -7393,10 +8464,85 @@
         </p:nvSpPr>
         <p:spPr/>
         <p:txBody>
-          <a:bodyPr/>
-          <a:lstStyle/>
-          <a:p>
-            <a:endParaRPr lang="en-NZ" dirty="0"/>
+          <a:bodyPr vert="horz" lIns="91440" tIns="45720" rIns="91440" bIns="45720" rtlCol="0" anchor="t">
+            <a:normAutofit/>
+          </a:bodyPr>
+          <a:lstStyle/>
+          <a:p>
+            <a:r>
+              <a:rPr lang="de-DE" dirty="0">
+                <a:ea typeface="+mn-lt"/>
+                <a:cs typeface="+mn-lt"/>
+              </a:rPr>
+              <a:t>Grundsatzdokument zur Informationssicherheitspolitik</a:t>
+            </a:r>
+          </a:p>
+          <a:p>
+            <a:pPr lvl="1"/>
+            <a:r>
+              <a:rPr lang="de-DE" dirty="0">
+                <a:cs typeface="Calibri"/>
+              </a:rPr>
+              <a:t>Vorab Definiert</a:t>
+            </a:r>
+          </a:p>
+          <a:p>
+            <a:pPr lvl="1"/>
+            <a:r>
+              <a:rPr lang="de-DE" dirty="0">
+                <a:cs typeface="Calibri"/>
+              </a:rPr>
+              <a:t>Zum Schutze der Unternehmensinformationen</a:t>
+            </a:r>
+          </a:p>
+          <a:p>
+            <a:pPr lvl="1"/>
+            <a:r>
+              <a:rPr lang="de-DE" dirty="0">
+                <a:cs typeface="Calibri"/>
+              </a:rPr>
+              <a:t>Orientiert sich den Unternehmens Bedürfnissen</a:t>
+            </a:r>
+          </a:p>
+          <a:p>
+            <a:pPr lvl="1"/>
+            <a:r>
+              <a:rPr lang="de-DE" dirty="0">
+                <a:cs typeface="Calibri"/>
+              </a:rPr>
+              <a:t>Vom Management genehmigt</a:t>
+            </a:r>
+          </a:p>
+          <a:p>
+            <a:pPr lvl="1"/>
+            <a:r>
+              <a:rPr lang="de-DE" dirty="0">
+                <a:cs typeface="Calibri"/>
+              </a:rPr>
+              <a:t>Für Mitarbeiter und Externe frei zugänglich</a:t>
+            </a:r>
+          </a:p>
+          <a:p>
+            <a:endParaRPr lang="de-DE" dirty="0">
+              <a:cs typeface="Calibri"/>
+            </a:endParaRPr>
+          </a:p>
+          <a:p>
+            <a:pPr lvl="1"/>
+            <a:endParaRPr lang="de-DE" dirty="0">
+              <a:cs typeface="Calibri"/>
+            </a:endParaRPr>
+          </a:p>
+          <a:p>
+            <a:pPr lvl="1"/>
+            <a:endParaRPr lang="de-DE" dirty="0">
+              <a:cs typeface="Calibri"/>
+            </a:endParaRPr>
+          </a:p>
+          <a:p>
+            <a:endParaRPr lang="de-DE" dirty="0">
+              <a:cs typeface="Calibri"/>
+            </a:endParaRPr>
           </a:p>
         </p:txBody>
       </p:sp>
@@ -7464,7 +8610,277 @@
     </p:spTree>
     <p:extLst>
       <p:ext uri="{BB962C8B-B14F-4D97-AF65-F5344CB8AC3E}">
-        <p14:creationId xmlns:p14="http://schemas.microsoft.com/office/powerpoint/2010/main" val="1597989395"/>
+        <p14:creationId xmlns:p14="http://schemas.microsoft.com/office/powerpoint/2010/main" val="2561877790"/>
+      </p:ext>
+    </p:extLst>
+  </p:cSld>
+  <p:clrMapOvr>
+    <a:masterClrMapping/>
+  </p:clrMapOvr>
+</p:sld>
+</file>
+
+<file path=ppt/slides/slide9.xml><?xml version="1.0" encoding="utf-8"?>
+<p:sld xmlns:a="http://schemas.openxmlformats.org/drawingml/2006/main" xmlns:r="http://schemas.openxmlformats.org/officeDocument/2006/relationships" xmlns:p="http://schemas.openxmlformats.org/presentationml/2006/main">
+  <p:cSld>
+    <p:spTree>
+      <p:nvGrpSpPr>
+        <p:cNvPr id="1" name=""/>
+        <p:cNvGrpSpPr/>
+        <p:nvPr/>
+      </p:nvGrpSpPr>
+      <p:grpSpPr>
+        <a:xfrm>
+          <a:off x="0" y="0"/>
+          <a:ext cx="0" cy="0"/>
+          <a:chOff x="0" y="0"/>
+          <a:chExt cx="0" cy="0"/>
+        </a:xfrm>
+      </p:grpSpPr>
+      <p:sp>
+        <p:nvSpPr>
+          <p:cNvPr id="2" name="Title 1">
+            <a:extLst>
+              <a:ext uri="{FF2B5EF4-FFF2-40B4-BE49-F238E27FC236}">
+                <a16:creationId xmlns:a16="http://schemas.microsoft.com/office/drawing/2014/main" id="{4F828901-473D-4F55-B3D0-1DDC90FC313C}"/>
+              </a:ext>
+            </a:extLst>
+          </p:cNvPr>
+          <p:cNvSpPr>
+            <a:spLocks noGrp="1"/>
+          </p:cNvSpPr>
+          <p:nvPr>
+            <p:ph type="title"/>
+          </p:nvPr>
+        </p:nvSpPr>
+        <p:spPr/>
+        <p:txBody>
+          <a:bodyPr/>
+          <a:lstStyle/>
+          <a:p>
+            <a:r>
+              <a:rPr lang="de-DE" dirty="0"/>
+              <a:t>Sicherheitspolitik</a:t>
+            </a:r>
+          </a:p>
+        </p:txBody>
+      </p:sp>
+      <p:sp>
+        <p:nvSpPr>
+          <p:cNvPr id="3" name="Content Placeholder 2">
+            <a:extLst>
+              <a:ext uri="{FF2B5EF4-FFF2-40B4-BE49-F238E27FC236}">
+                <a16:creationId xmlns:a16="http://schemas.microsoft.com/office/drawing/2014/main" id="{DC7B49F1-50FA-4683-82E1-87A2FA356B2D}"/>
+              </a:ext>
+            </a:extLst>
+          </p:cNvPr>
+          <p:cNvSpPr>
+            <a:spLocks noGrp="1"/>
+          </p:cNvSpPr>
+          <p:nvPr>
+            <p:ph idx="1"/>
+          </p:nvPr>
+        </p:nvSpPr>
+        <p:spPr/>
+        <p:txBody>
+          <a:bodyPr vert="horz" lIns="91440" tIns="45720" rIns="91440" bIns="45720" rtlCol="0" anchor="t">
+            <a:normAutofit/>
+          </a:bodyPr>
+          <a:lstStyle/>
+          <a:p>
+            <a:r>
+              <a:rPr lang="de-DE" dirty="0">
+                <a:ea typeface="+mn-lt"/>
+                <a:cs typeface="+mn-lt"/>
+              </a:rPr>
+              <a:t>Überprüfung</a:t>
+            </a:r>
+            <a:r>
+              <a:rPr lang="de-DE" dirty="0">
+                <a:cs typeface="Calibri"/>
+              </a:rPr>
+              <a:t> der </a:t>
+            </a:r>
+            <a:r>
+              <a:rPr lang="de-DE">
+                <a:ea typeface="+mn-lt"/>
+                <a:cs typeface="+mn-lt"/>
+              </a:rPr>
+              <a:t>Informationssicherheitspolitik</a:t>
+            </a:r>
+          </a:p>
+          <a:p>
+            <a:pPr lvl="1"/>
+            <a:r>
+              <a:rPr lang="de-DE" sz="2800" dirty="0">
+                <a:ea typeface="+mn-lt"/>
+                <a:cs typeface="+mn-lt"/>
+              </a:rPr>
+              <a:t>In regelmäßigen abständen</a:t>
+            </a:r>
+            <a:endParaRPr lang="en-US" sz="2800" dirty="0">
+              <a:ea typeface="+mn-lt"/>
+              <a:cs typeface="+mn-lt"/>
+            </a:endParaRPr>
+          </a:p>
+          <a:p>
+            <a:pPr lvl="1"/>
+            <a:endParaRPr lang="de-DE" sz="2800" dirty="0">
+              <a:ea typeface="+mn-lt"/>
+              <a:cs typeface="+mn-lt"/>
+            </a:endParaRPr>
+          </a:p>
+          <a:p>
+            <a:pPr lvl="1"/>
+            <a:r>
+              <a:rPr lang="de-DE" sz="2800" dirty="0">
+                <a:ea typeface="+mn-lt"/>
+                <a:cs typeface="+mn-lt"/>
+              </a:rPr>
+              <a:t>Nach Änderungen</a:t>
+            </a:r>
+          </a:p>
+          <a:p>
+            <a:pPr lvl="2"/>
+            <a:r>
+              <a:rPr lang="de-DE" sz="2400" dirty="0">
+                <a:ea typeface="+mn-lt"/>
+                <a:cs typeface="+mn-lt"/>
+              </a:rPr>
+              <a:t>Der Gesetzgebungen</a:t>
+            </a:r>
+          </a:p>
+          <a:p>
+            <a:pPr lvl="2"/>
+            <a:r>
+              <a:rPr lang="de-DE" sz="2400" dirty="0">
+                <a:ea typeface="+mn-lt"/>
+                <a:cs typeface="+mn-lt"/>
+              </a:rPr>
+              <a:t>Des Unternehmens</a:t>
+            </a:r>
+          </a:p>
+          <a:p>
+            <a:pPr lvl="2"/>
+            <a:r>
+              <a:rPr lang="de-DE" sz="2400" dirty="0">
+                <a:ea typeface="+mn-lt"/>
+                <a:cs typeface="+mn-lt"/>
+              </a:rPr>
+              <a:t>Der Technologie</a:t>
+            </a:r>
+          </a:p>
+          <a:p>
+            <a:pPr lvl="2"/>
+            <a:endParaRPr lang="de-DE" sz="2400" dirty="0">
+              <a:ea typeface="+mn-lt"/>
+              <a:cs typeface="+mn-lt"/>
+            </a:endParaRPr>
+          </a:p>
+          <a:p>
+            <a:pPr lvl="1"/>
+            <a:r>
+              <a:rPr lang="de-DE" sz="2800" dirty="0">
+                <a:ea typeface="+mn-lt"/>
+                <a:cs typeface="+mn-lt"/>
+              </a:rPr>
+              <a:t>Beim Auftreten von Sicherheitslücken</a:t>
+            </a:r>
+            <a:endParaRPr lang="en-US" sz="2800" dirty="0">
+              <a:ea typeface="+mn-lt"/>
+              <a:cs typeface="+mn-lt"/>
+            </a:endParaRPr>
+          </a:p>
+          <a:p>
+            <a:pPr lvl="1"/>
+            <a:endParaRPr lang="de-DE" dirty="0">
+              <a:cs typeface="Calibri"/>
+            </a:endParaRPr>
+          </a:p>
+          <a:p>
+            <a:pPr lvl="1"/>
+            <a:endParaRPr lang="de-DE" dirty="0">
+              <a:cs typeface="Calibri"/>
+            </a:endParaRPr>
+          </a:p>
+          <a:p>
+            <a:pPr lvl="1"/>
+            <a:endParaRPr lang="de-DE" dirty="0">
+              <a:cs typeface="Calibri"/>
+            </a:endParaRPr>
+          </a:p>
+          <a:p>
+            <a:endParaRPr lang="de-DE" dirty="0">
+              <a:cs typeface="Calibri"/>
+            </a:endParaRPr>
+          </a:p>
+        </p:txBody>
+      </p:sp>
+      <p:sp>
+        <p:nvSpPr>
+          <p:cNvPr id="4" name="Footer Placeholder 3">
+            <a:extLst>
+              <a:ext uri="{FF2B5EF4-FFF2-40B4-BE49-F238E27FC236}">
+                <a16:creationId xmlns:a16="http://schemas.microsoft.com/office/drawing/2014/main" id="{2E8E2603-0080-41CD-9B05-8DE698DD8FD8}"/>
+              </a:ext>
+            </a:extLst>
+          </p:cNvPr>
+          <p:cNvSpPr>
+            <a:spLocks noGrp="1"/>
+          </p:cNvSpPr>
+          <p:nvPr>
+            <p:ph type="ftr" sz="quarter" idx="11"/>
+          </p:nvPr>
+        </p:nvSpPr>
+        <p:spPr/>
+        <p:txBody>
+          <a:bodyPr/>
+          <a:lstStyle/>
+          <a:p>
+            <a:pPr algn="ctr">
+              <a:defRPr/>
+            </a:pPr>
+            <a:r>
+              <a:rPr lang="de-DE"/>
+              <a:t>WS19/20 – ISO 27001 - Hertel, Kossendey, Kühnert, Withöft</a:t>
+            </a:r>
+            <a:endParaRPr lang="de-DE" dirty="0"/>
+          </a:p>
+        </p:txBody>
+      </p:sp>
+      <p:sp>
+        <p:nvSpPr>
+          <p:cNvPr id="5" name="Slide Number Placeholder 4">
+            <a:extLst>
+              <a:ext uri="{FF2B5EF4-FFF2-40B4-BE49-F238E27FC236}">
+                <a16:creationId xmlns:a16="http://schemas.microsoft.com/office/drawing/2014/main" id="{91F757FB-F441-4E16-B965-06792864CB9C}"/>
+              </a:ext>
+            </a:extLst>
+          </p:cNvPr>
+          <p:cNvSpPr>
+            <a:spLocks noGrp="1"/>
+          </p:cNvSpPr>
+          <p:nvPr>
+            <p:ph type="sldNum" sz="quarter" idx="12"/>
+          </p:nvPr>
+        </p:nvSpPr>
+        <p:spPr/>
+        <p:txBody>
+          <a:bodyPr/>
+          <a:lstStyle/>
+          <a:p>
+            <a:fld id="{969E759D-A893-4B96-8B48-96EE547EBC41}" type="slidenum">
+              <a:rPr lang="de-DE" smtClean="0"/>
+              <a:t>9</a:t>
+            </a:fld>
+            <a:endParaRPr lang="de-DE"/>
+          </a:p>
+        </p:txBody>
+      </p:sp>
+    </p:spTree>
+    <p:extLst>
+      <p:ext uri="{BB962C8B-B14F-4D97-AF65-F5344CB8AC3E}">
+        <p14:creationId xmlns:p14="http://schemas.microsoft.com/office/powerpoint/2010/main" val="2829191607"/>
       </p:ext>
     </p:extLst>
   </p:cSld>
